--- a/website/images-bhavesh/suggestions.pptx
+++ b/website/images-bhavesh/suggestions.pptx
@@ -6,6 +6,7 @@
   </p:sldMasterIdLst>
   <p:sldIdLst>
     <p:sldId id="257" r:id="rId2"/>
+    <p:sldId id="258" r:id="rId3"/>
   </p:sldIdLst>
   <p:sldSz cx="12192000" cy="6858000"/>
   <p:notesSz cx="6858000" cy="9144000"/>
@@ -3482,10 +3483,587 @@
           </a:fontRef>
         </p:style>
       </p:cxnSp>
+      <p:sp>
+        <p:nvSpPr>
+          <p:cNvPr id="12" name="Rectangle: Rounded Corners 11">
+            <a:extLst>
+              <a:ext uri="{FF2B5EF4-FFF2-40B4-BE49-F238E27FC236}">
+                <a16:creationId xmlns:a16="http://schemas.microsoft.com/office/drawing/2014/main" id="{BC67A61D-0D1E-4A28-A85B-3D457669F41A}"/>
+              </a:ext>
+            </a:extLst>
+          </p:cNvPr>
+          <p:cNvSpPr/>
+          <p:nvPr/>
+        </p:nvSpPr>
+        <p:spPr>
+          <a:xfrm>
+            <a:off x="2016223" y="4472762"/>
+            <a:ext cx="1641377" cy="347849"/>
+          </a:xfrm>
+          <a:prstGeom prst="roundRect">
+            <a:avLst>
+              <a:gd name="adj" fmla="val 50000"/>
+            </a:avLst>
+          </a:prstGeom>
+          <a:solidFill>
+            <a:schemeClr val="tx1"/>
+          </a:solidFill>
+          <a:ln>
+            <a:noFill/>
+          </a:ln>
+        </p:spPr>
+        <p:style>
+          <a:lnRef idx="2">
+            <a:schemeClr val="accent1">
+              <a:shade val="50000"/>
+            </a:schemeClr>
+          </a:lnRef>
+          <a:fillRef idx="1">
+            <a:schemeClr val="accent1"/>
+          </a:fillRef>
+          <a:effectRef idx="0">
+            <a:schemeClr val="accent1"/>
+          </a:effectRef>
+          <a:fontRef idx="minor">
+            <a:schemeClr val="lt1"/>
+          </a:fontRef>
+        </p:style>
+        <p:txBody>
+          <a:bodyPr rtlCol="0" anchor="ctr"/>
+          <a:lstStyle/>
+          <a:p>
+            <a:pPr algn="ctr"/>
+            <a:r>
+              <a:rPr lang="en-US" sz="1400" dirty="0"/>
+              <a:t>Learn more</a:t>
+            </a:r>
+          </a:p>
+        </p:txBody>
+      </p:sp>
+      <p:cxnSp>
+        <p:nvCxnSpPr>
+          <p:cNvPr id="13" name="Straight Connector 12">
+            <a:extLst>
+              <a:ext uri="{FF2B5EF4-FFF2-40B4-BE49-F238E27FC236}">
+                <a16:creationId xmlns:a16="http://schemas.microsoft.com/office/drawing/2014/main" id="{6E266B12-9A60-4C3C-B6C4-2C060EF4B03D}"/>
+              </a:ext>
+            </a:extLst>
+          </p:cNvPr>
+          <p:cNvCxnSpPr/>
+          <p:nvPr/>
+        </p:nvCxnSpPr>
+        <p:spPr>
+          <a:xfrm>
+            <a:off x="1913803" y="4128527"/>
+            <a:ext cx="3339548" cy="0"/>
+          </a:xfrm>
+          <a:prstGeom prst="line">
+            <a:avLst/>
+          </a:prstGeom>
+          <a:ln>
+            <a:solidFill>
+              <a:srgbClr val="FF0000"/>
+            </a:solidFill>
+          </a:ln>
+        </p:spPr>
+        <p:style>
+          <a:lnRef idx="3">
+            <a:schemeClr val="accent2"/>
+          </a:lnRef>
+          <a:fillRef idx="0">
+            <a:schemeClr val="accent2"/>
+          </a:fillRef>
+          <a:effectRef idx="2">
+            <a:schemeClr val="accent2"/>
+          </a:effectRef>
+          <a:fontRef idx="minor">
+            <a:schemeClr val="tx1"/>
+          </a:fontRef>
+        </p:style>
+      </p:cxnSp>
+      <p:cxnSp>
+        <p:nvCxnSpPr>
+          <p:cNvPr id="14" name="Straight Connector 13">
+            <a:extLst>
+              <a:ext uri="{FF2B5EF4-FFF2-40B4-BE49-F238E27FC236}">
+                <a16:creationId xmlns:a16="http://schemas.microsoft.com/office/drawing/2014/main" id="{51A41205-0535-4F8E-B3D5-58B64ABA980F}"/>
+              </a:ext>
+            </a:extLst>
+          </p:cNvPr>
+          <p:cNvCxnSpPr>
+            <a:cxnSpLocks/>
+          </p:cNvCxnSpPr>
+          <p:nvPr/>
+        </p:nvCxnSpPr>
+        <p:spPr>
+          <a:xfrm>
+            <a:off x="1913803" y="2582756"/>
+            <a:ext cx="1308368" cy="0"/>
+          </a:xfrm>
+          <a:prstGeom prst="line">
+            <a:avLst/>
+          </a:prstGeom>
+          <a:ln>
+            <a:solidFill>
+              <a:srgbClr val="FF0000"/>
+            </a:solidFill>
+          </a:ln>
+        </p:spPr>
+        <p:style>
+          <a:lnRef idx="3">
+            <a:schemeClr val="accent2"/>
+          </a:lnRef>
+          <a:fillRef idx="0">
+            <a:schemeClr val="accent2"/>
+          </a:fillRef>
+          <a:effectRef idx="2">
+            <a:schemeClr val="accent2"/>
+          </a:effectRef>
+          <a:fontRef idx="minor">
+            <a:schemeClr val="tx1"/>
+          </a:fontRef>
+        </p:style>
+      </p:cxnSp>
+      <p:sp>
+        <p:nvSpPr>
+          <p:cNvPr id="16" name="Rectangle: Rounded Corners 15">
+            <a:extLst>
+              <a:ext uri="{FF2B5EF4-FFF2-40B4-BE49-F238E27FC236}">
+                <a16:creationId xmlns:a16="http://schemas.microsoft.com/office/drawing/2014/main" id="{DA3588C7-1A1B-46D0-8D58-6174EBC4671F}"/>
+              </a:ext>
+            </a:extLst>
+          </p:cNvPr>
+          <p:cNvSpPr/>
+          <p:nvPr/>
+        </p:nvSpPr>
+        <p:spPr>
+          <a:xfrm>
+            <a:off x="3766376" y="4501598"/>
+            <a:ext cx="1641377" cy="347849"/>
+          </a:xfrm>
+          <a:prstGeom prst="roundRect">
+            <a:avLst>
+              <a:gd name="adj" fmla="val 50000"/>
+            </a:avLst>
+          </a:prstGeom>
+          <a:solidFill>
+            <a:schemeClr val="tx1"/>
+          </a:solidFill>
+          <a:ln>
+            <a:noFill/>
+          </a:ln>
+        </p:spPr>
+        <p:style>
+          <a:lnRef idx="2">
+            <a:schemeClr val="accent1">
+              <a:shade val="50000"/>
+            </a:schemeClr>
+          </a:lnRef>
+          <a:fillRef idx="1">
+            <a:schemeClr val="accent1"/>
+          </a:fillRef>
+          <a:effectRef idx="0">
+            <a:schemeClr val="accent1"/>
+          </a:effectRef>
+          <a:fontRef idx="minor">
+            <a:schemeClr val="lt1"/>
+          </a:fontRef>
+        </p:style>
+        <p:txBody>
+          <a:bodyPr rtlCol="0" anchor="ctr"/>
+          <a:lstStyle/>
+          <a:p>
+            <a:pPr algn="ctr"/>
+            <a:r>
+              <a:rPr lang="en-US" sz="1100" dirty="0"/>
+              <a:t>Download SODA for SPARC</a:t>
+            </a:r>
+          </a:p>
+        </p:txBody>
+      </p:sp>
+      <p:sp>
+        <p:nvSpPr>
+          <p:cNvPr id="17" name="Rectangle 16">
+            <a:extLst>
+              <a:ext uri="{FF2B5EF4-FFF2-40B4-BE49-F238E27FC236}">
+                <a16:creationId xmlns:a16="http://schemas.microsoft.com/office/drawing/2014/main" id="{5D97118C-257A-4AEC-89DC-40184F221E20}"/>
+              </a:ext>
+            </a:extLst>
+          </p:cNvPr>
+          <p:cNvSpPr/>
+          <p:nvPr/>
+        </p:nvSpPr>
+        <p:spPr>
+          <a:xfrm>
+            <a:off x="1785257" y="4816505"/>
+            <a:ext cx="1872343" cy="369314"/>
+          </a:xfrm>
+          <a:prstGeom prst="rect">
+            <a:avLst/>
+          </a:prstGeom>
+          <a:noFill/>
+          <a:ln>
+            <a:noFill/>
+          </a:ln>
+        </p:spPr>
+        <p:style>
+          <a:lnRef idx="2">
+            <a:schemeClr val="accent1">
+              <a:shade val="50000"/>
+            </a:schemeClr>
+          </a:lnRef>
+          <a:fillRef idx="1">
+            <a:schemeClr val="accent1"/>
+          </a:fillRef>
+          <a:effectRef idx="0">
+            <a:schemeClr val="accent1"/>
+          </a:effectRef>
+          <a:fontRef idx="minor">
+            <a:schemeClr val="lt1"/>
+          </a:fontRef>
+        </p:style>
+        <p:txBody>
+          <a:bodyPr rtlCol="0" anchor="ctr"/>
+          <a:lstStyle/>
+          <a:p>
+            <a:pPr algn="ctr"/>
+            <a:r>
+              <a:rPr lang="en-US" sz="1100" i="1" dirty="0">
+                <a:solidFill>
+                  <a:schemeClr val="tx1"/>
+                </a:solidFill>
+              </a:rPr>
+              <a:t>This would just scroll down to the “About us” section</a:t>
+            </a:r>
+          </a:p>
+        </p:txBody>
+      </p:sp>
+      <p:sp>
+        <p:nvSpPr>
+          <p:cNvPr id="18" name="Rectangle 17">
+            <a:extLst>
+              <a:ext uri="{FF2B5EF4-FFF2-40B4-BE49-F238E27FC236}">
+                <a16:creationId xmlns:a16="http://schemas.microsoft.com/office/drawing/2014/main" id="{4611889D-8ED3-426E-9FB2-0FCE0A0064D4}"/>
+              </a:ext>
+            </a:extLst>
+          </p:cNvPr>
+          <p:cNvSpPr/>
+          <p:nvPr/>
+        </p:nvSpPr>
+        <p:spPr>
+          <a:xfrm>
+            <a:off x="3657600" y="4876706"/>
+            <a:ext cx="1872343" cy="369314"/>
+          </a:xfrm>
+          <a:prstGeom prst="rect">
+            <a:avLst/>
+          </a:prstGeom>
+          <a:noFill/>
+          <a:ln>
+            <a:noFill/>
+          </a:ln>
+        </p:spPr>
+        <p:style>
+          <a:lnRef idx="2">
+            <a:schemeClr val="accent1">
+              <a:shade val="50000"/>
+            </a:schemeClr>
+          </a:lnRef>
+          <a:fillRef idx="1">
+            <a:schemeClr val="accent1"/>
+          </a:fillRef>
+          <a:effectRef idx="0">
+            <a:schemeClr val="accent1"/>
+          </a:effectRef>
+          <a:fontRef idx="minor">
+            <a:schemeClr val="lt1"/>
+          </a:fontRef>
+        </p:style>
+        <p:txBody>
+          <a:bodyPr rtlCol="0" anchor="ctr"/>
+          <a:lstStyle/>
+          <a:p>
+            <a:pPr algn="ctr"/>
+            <a:r>
+              <a:rPr lang="en-US" sz="1100" i="1" dirty="0">
+                <a:solidFill>
+                  <a:schemeClr val="tx1"/>
+                </a:solidFill>
+              </a:rPr>
+              <a:t>This would scroll down to the “SODA for SPARC” section</a:t>
+            </a:r>
+          </a:p>
+        </p:txBody>
+      </p:sp>
+      <p:sp>
+        <p:nvSpPr>
+          <p:cNvPr id="19" name="Rectangle 18">
+            <a:extLst>
+              <a:ext uri="{FF2B5EF4-FFF2-40B4-BE49-F238E27FC236}">
+                <a16:creationId xmlns:a16="http://schemas.microsoft.com/office/drawing/2014/main" id="{2401136B-ECDB-44A4-BA30-0D2A685523E4}"/>
+              </a:ext>
+            </a:extLst>
+          </p:cNvPr>
+          <p:cNvSpPr/>
+          <p:nvPr/>
+        </p:nvSpPr>
+        <p:spPr>
+          <a:xfrm>
+            <a:off x="3766376" y="545466"/>
+            <a:ext cx="1872343" cy="369314"/>
+          </a:xfrm>
+          <a:prstGeom prst="rect">
+            <a:avLst/>
+          </a:prstGeom>
+          <a:noFill/>
+          <a:ln>
+            <a:noFill/>
+          </a:ln>
+        </p:spPr>
+        <p:style>
+          <a:lnRef idx="2">
+            <a:schemeClr val="accent1">
+              <a:shade val="50000"/>
+            </a:schemeClr>
+          </a:lnRef>
+          <a:fillRef idx="1">
+            <a:schemeClr val="accent1"/>
+          </a:fillRef>
+          <a:effectRef idx="0">
+            <a:schemeClr val="accent1"/>
+          </a:effectRef>
+          <a:fontRef idx="minor">
+            <a:schemeClr val="lt1"/>
+          </a:fontRef>
+        </p:style>
+        <p:txBody>
+          <a:bodyPr rtlCol="0" anchor="ctr"/>
+          <a:lstStyle/>
+          <a:p>
+            <a:pPr algn="ctr"/>
+            <a:r>
+              <a:rPr lang="en-US" sz="1100" i="1" dirty="0">
+                <a:solidFill>
+                  <a:schemeClr val="tx1"/>
+                </a:solidFill>
+              </a:rPr>
+              <a:t>About SODA</a:t>
+            </a:r>
+          </a:p>
+        </p:txBody>
+      </p:sp>
+      <p:sp>
+        <p:nvSpPr>
+          <p:cNvPr id="20" name="Rectangle 19">
+            <a:extLst>
+              <a:ext uri="{FF2B5EF4-FFF2-40B4-BE49-F238E27FC236}">
+                <a16:creationId xmlns:a16="http://schemas.microsoft.com/office/drawing/2014/main" id="{8A7AF675-F3C7-49E1-9544-B66DBEF0F484}"/>
+              </a:ext>
+            </a:extLst>
+          </p:cNvPr>
+          <p:cNvSpPr/>
+          <p:nvPr/>
+        </p:nvSpPr>
+        <p:spPr>
+          <a:xfrm>
+            <a:off x="5007349" y="564395"/>
+            <a:ext cx="1480538" cy="369314"/>
+          </a:xfrm>
+          <a:prstGeom prst="rect">
+            <a:avLst/>
+          </a:prstGeom>
+          <a:noFill/>
+          <a:ln>
+            <a:noFill/>
+          </a:ln>
+        </p:spPr>
+        <p:style>
+          <a:lnRef idx="2">
+            <a:schemeClr val="accent1">
+              <a:shade val="50000"/>
+            </a:schemeClr>
+          </a:lnRef>
+          <a:fillRef idx="1">
+            <a:schemeClr val="accent1"/>
+          </a:fillRef>
+          <a:effectRef idx="0">
+            <a:schemeClr val="accent1"/>
+          </a:effectRef>
+          <a:fontRef idx="minor">
+            <a:schemeClr val="lt1"/>
+          </a:fontRef>
+        </p:style>
+        <p:txBody>
+          <a:bodyPr rtlCol="0" anchor="ctr"/>
+          <a:lstStyle/>
+          <a:p>
+            <a:pPr algn="ctr"/>
+            <a:r>
+              <a:rPr lang="en-US" sz="1100" i="1" dirty="0">
+                <a:solidFill>
+                  <a:schemeClr val="tx1"/>
+                </a:solidFill>
+              </a:rPr>
+              <a:t>SODA for SPARC</a:t>
+            </a:r>
+          </a:p>
+        </p:txBody>
+      </p:sp>
+      <p:cxnSp>
+        <p:nvCxnSpPr>
+          <p:cNvPr id="21" name="Straight Connector 20">
+            <a:extLst>
+              <a:ext uri="{FF2B5EF4-FFF2-40B4-BE49-F238E27FC236}">
+                <a16:creationId xmlns:a16="http://schemas.microsoft.com/office/drawing/2014/main" id="{02D2C8CC-C119-429A-9A6E-8663A9851E62}"/>
+              </a:ext>
+            </a:extLst>
+          </p:cNvPr>
+          <p:cNvCxnSpPr>
+            <a:cxnSpLocks/>
+          </p:cNvCxnSpPr>
+          <p:nvPr/>
+        </p:nvCxnSpPr>
+        <p:spPr>
+          <a:xfrm>
+            <a:off x="4382602" y="349007"/>
+            <a:ext cx="870749" cy="0"/>
+          </a:xfrm>
+          <a:prstGeom prst="line">
+            <a:avLst/>
+          </a:prstGeom>
+          <a:ln>
+            <a:solidFill>
+              <a:srgbClr val="FF0000"/>
+            </a:solidFill>
+          </a:ln>
+        </p:spPr>
+        <p:style>
+          <a:lnRef idx="3">
+            <a:schemeClr val="accent2"/>
+          </a:lnRef>
+          <a:fillRef idx="0">
+            <a:schemeClr val="accent2"/>
+          </a:fillRef>
+          <a:effectRef idx="2">
+            <a:schemeClr val="accent2"/>
+          </a:effectRef>
+          <a:fontRef idx="minor">
+            <a:schemeClr val="tx1"/>
+          </a:fontRef>
+        </p:style>
+      </p:cxnSp>
+      <p:cxnSp>
+        <p:nvCxnSpPr>
+          <p:cNvPr id="23" name="Straight Connector 22">
+            <a:extLst>
+              <a:ext uri="{FF2B5EF4-FFF2-40B4-BE49-F238E27FC236}">
+                <a16:creationId xmlns:a16="http://schemas.microsoft.com/office/drawing/2014/main" id="{226042EF-A970-4011-8D8D-409370BB72E9}"/>
+              </a:ext>
+            </a:extLst>
+          </p:cNvPr>
+          <p:cNvCxnSpPr>
+            <a:cxnSpLocks/>
+          </p:cNvCxnSpPr>
+          <p:nvPr/>
+        </p:nvCxnSpPr>
+        <p:spPr>
+          <a:xfrm>
+            <a:off x="5407753" y="349007"/>
+            <a:ext cx="479241" cy="0"/>
+          </a:xfrm>
+          <a:prstGeom prst="line">
+            <a:avLst/>
+          </a:prstGeom>
+          <a:ln>
+            <a:solidFill>
+              <a:srgbClr val="FF0000"/>
+            </a:solidFill>
+          </a:ln>
+        </p:spPr>
+        <p:style>
+          <a:lnRef idx="3">
+            <a:schemeClr val="accent2"/>
+          </a:lnRef>
+          <a:fillRef idx="0">
+            <a:schemeClr val="accent2"/>
+          </a:fillRef>
+          <a:effectRef idx="2">
+            <a:schemeClr val="accent2"/>
+          </a:effectRef>
+          <a:fontRef idx="minor">
+            <a:schemeClr val="tx1"/>
+          </a:fontRef>
+        </p:style>
+      </p:cxnSp>
     </p:spTree>
     <p:extLst>
       <p:ext uri="{BB962C8B-B14F-4D97-AF65-F5344CB8AC3E}">
         <p14:creationId xmlns:p14="http://schemas.microsoft.com/office/powerpoint/2010/main" val="1997471430"/>
+      </p:ext>
+    </p:extLst>
+  </p:cSld>
+  <p:clrMapOvr>
+    <a:masterClrMapping/>
+  </p:clrMapOvr>
+</p:sld>
+</file>
+
+<file path=ppt/slides/slide2.xml><?xml version="1.0" encoding="utf-8"?>
+<p:sld xmlns:a="http://schemas.openxmlformats.org/drawingml/2006/main" xmlns:r="http://schemas.openxmlformats.org/officeDocument/2006/relationships" xmlns:p="http://schemas.openxmlformats.org/presentationml/2006/main">
+  <p:cSld>
+    <p:spTree>
+      <p:nvGrpSpPr>
+        <p:cNvPr id="1" name=""/>
+        <p:cNvGrpSpPr/>
+        <p:nvPr/>
+      </p:nvGrpSpPr>
+      <p:grpSpPr>
+        <a:xfrm>
+          <a:off x="0" y="0"/>
+          <a:ext cx="0" cy="0"/>
+          <a:chOff x="0" y="0"/>
+          <a:chExt cx="0" cy="0"/>
+        </a:xfrm>
+      </p:grpSpPr>
+      <p:pic>
+        <p:nvPicPr>
+          <p:cNvPr id="5" name="Content Placeholder 4" descr="Graphical user interface, website&#10;&#10;Description automatically generated">
+            <a:extLst>
+              <a:ext uri="{FF2B5EF4-FFF2-40B4-BE49-F238E27FC236}">
+                <a16:creationId xmlns:a16="http://schemas.microsoft.com/office/drawing/2014/main" id="{20ECDA47-B87D-4334-8F44-44F683DB9CE0}"/>
+              </a:ext>
+            </a:extLst>
+          </p:cNvPr>
+          <p:cNvPicPr>
+            <a:picLocks noGrp="1" noChangeAspect="1"/>
+          </p:cNvPicPr>
+          <p:nvPr>
+            <p:ph idx="1"/>
+          </p:nvPr>
+        </p:nvPicPr>
+        <p:blipFill>
+          <a:blip r:embed="rId2">
+            <a:extLst>
+              <a:ext uri="{28A0092B-C50C-407E-A947-70E740481C1C}">
+                <a14:useLocalDpi xmlns:a14="http://schemas.microsoft.com/office/drawing/2010/main" val="0"/>
+              </a:ext>
+            </a:extLst>
+          </a:blip>
+          <a:stretch>
+            <a:fillRect/>
+          </a:stretch>
+        </p:blipFill>
+        <p:spPr>
+          <a:xfrm>
+            <a:off x="1069443" y="465551"/>
+            <a:ext cx="10028269" cy="5796101"/>
+          </a:xfrm>
+        </p:spPr>
+      </p:pic>
+    </p:spTree>
+    <p:extLst>
+      <p:ext uri="{BB962C8B-B14F-4D97-AF65-F5344CB8AC3E}">
+        <p14:creationId xmlns:p14="http://schemas.microsoft.com/office/powerpoint/2010/main" val="518594605"/>
       </p:ext>
     </p:extLst>
   </p:cSld>

--- a/website/images-bhavesh/suggestions.pptx
+++ b/website/images-bhavesh/suggestions.pptx
@@ -7,6 +7,7 @@
   <p:sldIdLst>
     <p:sldId id="257" r:id="rId2"/>
     <p:sldId id="258" r:id="rId3"/>
+    <p:sldId id="259" r:id="rId4"/>
   </p:sldIdLst>
   <p:sldSz cx="12192000" cy="6858000"/>
   <p:notesSz cx="6858000" cy="9144000"/>
@@ -3440,49 +3441,6 @@
           </a:fontRef>
         </p:style>
       </p:cxnSp>
-      <p:cxnSp>
-        <p:nvCxnSpPr>
-          <p:cNvPr id="9" name="Straight Connector 8">
-            <a:extLst>
-              <a:ext uri="{FF2B5EF4-FFF2-40B4-BE49-F238E27FC236}">
-                <a16:creationId xmlns:a16="http://schemas.microsoft.com/office/drawing/2014/main" id="{0C08AE49-7862-4CC7-852E-9E9566C89654}"/>
-              </a:ext>
-            </a:extLst>
-          </p:cNvPr>
-          <p:cNvCxnSpPr>
-            <a:cxnSpLocks/>
-          </p:cNvCxnSpPr>
-          <p:nvPr/>
-        </p:nvCxnSpPr>
-        <p:spPr>
-          <a:xfrm>
-            <a:off x="2819495" y="349007"/>
-            <a:ext cx="507179" cy="0"/>
-          </a:xfrm>
-          <a:prstGeom prst="line">
-            <a:avLst/>
-          </a:prstGeom>
-          <a:ln>
-            <a:solidFill>
-              <a:srgbClr val="FF0000"/>
-            </a:solidFill>
-          </a:ln>
-        </p:spPr>
-        <p:style>
-          <a:lnRef idx="3">
-            <a:schemeClr val="accent2"/>
-          </a:lnRef>
-          <a:fillRef idx="0">
-            <a:schemeClr val="accent2"/>
-          </a:fillRef>
-          <a:effectRef idx="2">
-            <a:schemeClr val="accent2"/>
-          </a:effectRef>
-          <a:fontRef idx="minor">
-            <a:schemeClr val="tx1"/>
-          </a:fontRef>
-        </p:style>
-      </p:cxnSp>
       <p:sp>
         <p:nvSpPr>
           <p:cNvPr id="12" name="Rectangle: Rounded Corners 11">
@@ -3970,6 +3928,92 @@
           <a:xfrm>
             <a:off x="5407753" y="349007"/>
             <a:ext cx="479241" cy="0"/>
+          </a:xfrm>
+          <a:prstGeom prst="line">
+            <a:avLst/>
+          </a:prstGeom>
+          <a:ln>
+            <a:solidFill>
+              <a:srgbClr val="FF0000"/>
+            </a:solidFill>
+          </a:ln>
+        </p:spPr>
+        <p:style>
+          <a:lnRef idx="3">
+            <a:schemeClr val="accent2"/>
+          </a:lnRef>
+          <a:fillRef idx="0">
+            <a:schemeClr val="accent2"/>
+          </a:fillRef>
+          <a:effectRef idx="2">
+            <a:schemeClr val="accent2"/>
+          </a:effectRef>
+          <a:fontRef idx="minor">
+            <a:schemeClr val="tx1"/>
+          </a:fontRef>
+        </p:style>
+      </p:cxnSp>
+      <p:cxnSp>
+        <p:nvCxnSpPr>
+          <p:cNvPr id="25" name="Straight Connector 24">
+            <a:extLst>
+              <a:ext uri="{FF2B5EF4-FFF2-40B4-BE49-F238E27FC236}">
+                <a16:creationId xmlns:a16="http://schemas.microsoft.com/office/drawing/2014/main" id="{300DC73B-A4AE-4A0A-AE61-57E12DF873BD}"/>
+              </a:ext>
+            </a:extLst>
+          </p:cNvPr>
+          <p:cNvCxnSpPr>
+            <a:cxnSpLocks/>
+          </p:cNvCxnSpPr>
+          <p:nvPr/>
+        </p:nvCxnSpPr>
+        <p:spPr>
+          <a:xfrm>
+            <a:off x="7911468" y="349007"/>
+            <a:ext cx="1040943" cy="0"/>
+          </a:xfrm>
+          <a:prstGeom prst="line">
+            <a:avLst/>
+          </a:prstGeom>
+          <a:ln>
+            <a:solidFill>
+              <a:srgbClr val="FF0000"/>
+            </a:solidFill>
+          </a:ln>
+        </p:spPr>
+        <p:style>
+          <a:lnRef idx="3">
+            <a:schemeClr val="accent2"/>
+          </a:lnRef>
+          <a:fillRef idx="0">
+            <a:schemeClr val="accent2"/>
+          </a:fillRef>
+          <a:effectRef idx="2">
+            <a:schemeClr val="accent2"/>
+          </a:effectRef>
+          <a:fontRef idx="minor">
+            <a:schemeClr val="tx1"/>
+          </a:fontRef>
+        </p:style>
+      </p:cxnSp>
+      <p:cxnSp>
+        <p:nvCxnSpPr>
+          <p:cNvPr id="27" name="Straight Connector 26">
+            <a:extLst>
+              <a:ext uri="{FF2B5EF4-FFF2-40B4-BE49-F238E27FC236}">
+                <a16:creationId xmlns:a16="http://schemas.microsoft.com/office/drawing/2014/main" id="{CE7377A0-5DCE-4815-A13E-2B3C97C95CE9}"/>
+              </a:ext>
+            </a:extLst>
+          </p:cNvPr>
+          <p:cNvCxnSpPr>
+            <a:cxnSpLocks/>
+          </p:cNvCxnSpPr>
+          <p:nvPr/>
+        </p:nvCxnSpPr>
+        <p:spPr>
+          <a:xfrm>
+            <a:off x="9135022" y="349007"/>
+            <a:ext cx="618578" cy="0"/>
           </a:xfrm>
           <a:prstGeom prst="line">
             <a:avLst/>
@@ -4064,6 +4108,86 @@
     <p:extLst>
       <p:ext uri="{BB962C8B-B14F-4D97-AF65-F5344CB8AC3E}">
         <p14:creationId xmlns:p14="http://schemas.microsoft.com/office/powerpoint/2010/main" val="518594605"/>
+      </p:ext>
+    </p:extLst>
+  </p:cSld>
+  <p:clrMapOvr>
+    <a:masterClrMapping/>
+  </p:clrMapOvr>
+</p:sld>
+</file>
+
+<file path=ppt/slides/slide3.xml><?xml version="1.0" encoding="utf-8"?>
+<p:sld xmlns:a="http://schemas.openxmlformats.org/drawingml/2006/main" xmlns:r="http://schemas.openxmlformats.org/officeDocument/2006/relationships" xmlns:p="http://schemas.openxmlformats.org/presentationml/2006/main">
+  <p:cSld>
+    <p:spTree>
+      <p:nvGrpSpPr>
+        <p:cNvPr id="1" name=""/>
+        <p:cNvGrpSpPr/>
+        <p:nvPr/>
+      </p:nvGrpSpPr>
+      <p:grpSpPr>
+        <a:xfrm>
+          <a:off x="0" y="0"/>
+          <a:ext cx="0" cy="0"/>
+          <a:chOff x="0" y="0"/>
+          <a:chExt cx="0" cy="0"/>
+        </a:xfrm>
+      </p:grpSpPr>
+      <p:sp>
+        <p:nvSpPr>
+          <p:cNvPr id="2" name="Title 1">
+            <a:extLst>
+              <a:ext uri="{FF2B5EF4-FFF2-40B4-BE49-F238E27FC236}">
+                <a16:creationId xmlns:a16="http://schemas.microsoft.com/office/drawing/2014/main" id="{8C5EDA60-3829-4D66-A90B-B9277CD4B094}"/>
+              </a:ext>
+            </a:extLst>
+          </p:cNvPr>
+          <p:cNvSpPr>
+            <a:spLocks noGrp="1"/>
+          </p:cNvSpPr>
+          <p:nvPr>
+            <p:ph type="title"/>
+          </p:nvPr>
+        </p:nvSpPr>
+        <p:spPr/>
+        <p:txBody>
+          <a:bodyPr/>
+          <a:lstStyle/>
+          <a:p>
+            <a:endParaRPr lang="en-US"/>
+          </a:p>
+        </p:txBody>
+      </p:sp>
+      <p:sp>
+        <p:nvSpPr>
+          <p:cNvPr id="3" name="Content Placeholder 2">
+            <a:extLst>
+              <a:ext uri="{FF2B5EF4-FFF2-40B4-BE49-F238E27FC236}">
+                <a16:creationId xmlns:a16="http://schemas.microsoft.com/office/drawing/2014/main" id="{B4AC7E5C-17D0-4CED-B8CF-F7D2DFE4C834}"/>
+              </a:ext>
+            </a:extLst>
+          </p:cNvPr>
+          <p:cNvSpPr>
+            <a:spLocks noGrp="1"/>
+          </p:cNvSpPr>
+          <p:nvPr>
+            <p:ph idx="1"/>
+          </p:nvPr>
+        </p:nvSpPr>
+        <p:spPr/>
+        <p:txBody>
+          <a:bodyPr/>
+          <a:lstStyle/>
+          <a:p>
+            <a:endParaRPr lang="en-US"/>
+          </a:p>
+        </p:txBody>
+      </p:sp>
+    </p:spTree>
+    <p:extLst>
+      <p:ext uri="{BB962C8B-B14F-4D97-AF65-F5344CB8AC3E}">
+        <p14:creationId xmlns:p14="http://schemas.microsoft.com/office/powerpoint/2010/main" val="1368637731"/>
       </p:ext>
     </p:extLst>
   </p:cSld>

--- a/website/images-bhavesh/suggestions.pptx
+++ b/website/images-bhavesh/suggestions.pptx
@@ -8,6 +8,7 @@
     <p:sldId id="257" r:id="rId2"/>
     <p:sldId id="258" r:id="rId3"/>
     <p:sldId id="259" r:id="rId4"/>
+    <p:sldId id="260" r:id="rId5"/>
   </p:sldIdLst>
   <p:sldSz cx="12192000" cy="6858000"/>
   <p:notesSz cx="6858000" cy="9144000"/>
@@ -4197,6 +4198,86 @@
 </p:sld>
 </file>
 
+<file path=ppt/slides/slide4.xml><?xml version="1.0" encoding="utf-8"?>
+<p:sld xmlns:a="http://schemas.openxmlformats.org/drawingml/2006/main" xmlns:r="http://schemas.openxmlformats.org/officeDocument/2006/relationships" xmlns:p="http://schemas.openxmlformats.org/presentationml/2006/main">
+  <p:cSld>
+    <p:spTree>
+      <p:nvGrpSpPr>
+        <p:cNvPr id="1" name=""/>
+        <p:cNvGrpSpPr/>
+        <p:nvPr/>
+      </p:nvGrpSpPr>
+      <p:grpSpPr>
+        <a:xfrm>
+          <a:off x="0" y="0"/>
+          <a:ext cx="0" cy="0"/>
+          <a:chOff x="0" y="0"/>
+          <a:chExt cx="0" cy="0"/>
+        </a:xfrm>
+      </p:grpSpPr>
+      <p:sp>
+        <p:nvSpPr>
+          <p:cNvPr id="2" name="Title 1">
+            <a:extLst>
+              <a:ext uri="{FF2B5EF4-FFF2-40B4-BE49-F238E27FC236}">
+                <a16:creationId xmlns:a16="http://schemas.microsoft.com/office/drawing/2014/main" id="{B57B84E5-9D6F-4788-92A6-237BF5615BB4}"/>
+              </a:ext>
+            </a:extLst>
+          </p:cNvPr>
+          <p:cNvSpPr>
+            <a:spLocks noGrp="1"/>
+          </p:cNvSpPr>
+          <p:nvPr>
+            <p:ph type="title"/>
+          </p:nvPr>
+        </p:nvSpPr>
+        <p:spPr/>
+        <p:txBody>
+          <a:bodyPr/>
+          <a:lstStyle/>
+          <a:p>
+            <a:endParaRPr lang="en-US"/>
+          </a:p>
+        </p:txBody>
+      </p:sp>
+      <p:sp>
+        <p:nvSpPr>
+          <p:cNvPr id="3" name="Content Placeholder 2">
+            <a:extLst>
+              <a:ext uri="{FF2B5EF4-FFF2-40B4-BE49-F238E27FC236}">
+                <a16:creationId xmlns:a16="http://schemas.microsoft.com/office/drawing/2014/main" id="{FBE1953C-B828-424C-8117-2ECDBEBC5DCB}"/>
+              </a:ext>
+            </a:extLst>
+          </p:cNvPr>
+          <p:cNvSpPr>
+            <a:spLocks noGrp="1"/>
+          </p:cNvSpPr>
+          <p:nvPr>
+            <p:ph idx="1"/>
+          </p:nvPr>
+        </p:nvSpPr>
+        <p:spPr/>
+        <p:txBody>
+          <a:bodyPr/>
+          <a:lstStyle/>
+          <a:p>
+            <a:endParaRPr lang="en-US"/>
+          </a:p>
+        </p:txBody>
+      </p:sp>
+    </p:spTree>
+    <p:extLst>
+      <p:ext uri="{BB962C8B-B14F-4D97-AF65-F5344CB8AC3E}">
+        <p14:creationId xmlns:p14="http://schemas.microsoft.com/office/powerpoint/2010/main" val="1887885128"/>
+      </p:ext>
+    </p:extLst>
+  </p:cSld>
+  <p:clrMapOvr>
+    <a:masterClrMapping/>
+  </p:clrMapOvr>
+</p:sld>
+</file>
+
 <file path=ppt/theme/theme1.xml><?xml version="1.0" encoding="utf-8"?>
 <a:theme xmlns:a="http://schemas.openxmlformats.org/drawingml/2006/main" name="Office Theme">
   <a:themeElements>
